--- a/2dgp 2016180056 정태주 2차 발표.pptx
+++ b/2dgp 2016180056 정태주 2차 발표.pptx
@@ -2,7 +2,7 @@
 <file path=ppt/presentation.xml><?xml version="1.0" encoding="utf-8"?>
 <p:presentation xmlns:a="http://schemas.openxmlformats.org/drawingml/2006/main" xmlns:r="http://schemas.openxmlformats.org/officeDocument/2006/relationships" xmlns:p="http://schemas.openxmlformats.org/presentationml/2006/main" xmlns:p14="http://schemas.microsoft.com/office/powerpoint/2010/main" saveSubsetFonts="1">
   <p:sldMasterIdLst>
-    <p:sldMasterId id="2147483706" r:id="rId13"/>
+    <p:sldMasterId id="2147483707" r:id="rId13"/>
   </p:sldMasterIdLst>
   <p:notesMasterIdLst>
     <p:notesMasterId r:id="rId17"/>
@@ -15,6 +15,7 @@
     <p:sldId id="257" r:id="rId20"/>
     <p:sldId id="261" r:id="rId21"/>
     <p:sldId id="262" r:id="rId22"/>
+    <p:sldId id="263" r:id="rId23"/>
   </p:sldIdLst>
   <p:sldSz cx="12192000" cy="6858000"/>
   <p:notesSz cx="6858000" cy="9144000"/>
@@ -6882,7 +6883,7 @@
       </p:sp>
       <p:pic>
         <p:nvPicPr>
-          <p:cNvPr id="5" name="그림 4" descr="C:/Users/stevie/AppData/Roaming/PolarisOffice/ETemp/29032_6390728/fImage165025407135.jpeg"/>
+          <p:cNvPr id="5" name="그림 4"/>
           <p:cNvPicPr>
             <a:picLocks noChangeAspect="1"/>
           </p:cNvPicPr>
@@ -6912,7 +6913,7 @@
       </p:pic>
       <p:pic>
         <p:nvPicPr>
-          <p:cNvPr id="7" name="그림 6" descr="C:/Users/stevie/AppData/Roaming/PolarisOffice/ETemp/29032_6390728/fImage1682211276319.jpeg"/>
+          <p:cNvPr id="7" name="그림 6"/>
           <p:cNvPicPr>
             <a:picLocks noChangeAspect="1"/>
           </p:cNvPicPr>
@@ -10345,6 +10346,125 @@
           </a:graphicData>
         </a:graphic>
       </p:graphicFrame>
+    </p:spTree>
+  </p:cSld>
+  <p:clrMapOvr>
+    <a:masterClrMapping/>
+  </p:clrMapOvr>
+  <mc:AlternateContent xmlns:mc="http://schemas.openxmlformats.org/markup-compatibility/2006">
+    <mc:Choice xmlns:p14="http://schemas.microsoft.com/office/powerpoint/2010/main" Requires="p14">
+      <p:transition spd="slow" p14:dur="1000"/>
+    </mc:Choice>
+    <mc:Fallback>
+      <p:transition spd="slow"/>
+    </mc:Fallback>
+  </mc:AlternateContent>
+  <p:timing>
+    <p:tnLst>
+      <p:par>
+        <p:cTn id="1" dur="indefinite" restart="never" nodeType="tmRoot"/>
+      </p:par>
+    </p:tnLst>
+  </p:timing>
+</p:sld>
+</file>
+
+<file path=ppt/slides/slide5.xml><?xml version="1.0" encoding="utf-8"?>
+<p:sld xmlns:a="http://schemas.openxmlformats.org/drawingml/2006/main" xmlns:r="http://schemas.openxmlformats.org/officeDocument/2006/relationships" xmlns:p="http://schemas.openxmlformats.org/presentationml/2006/main">
+  <p:cSld>
+    <p:spTree>
+      <p:nvGrpSpPr>
+        <p:cNvPr id="1" name=""/>
+        <p:cNvGrpSpPr/>
+        <p:nvPr/>
+      </p:nvGrpSpPr>
+      <p:grpSpPr>
+        <a:xfrm>
+          <a:off x="0" y="0"/>
+          <a:ext cx="0" cy="0"/>
+          <a:chOff x="0" y="0"/>
+          <a:chExt cx="0" cy="0"/>
+        </a:xfrm>
+      </p:grpSpPr>
+      <p:sp>
+        <p:nvSpPr>
+          <p:cNvPr id="2" name="텍스트 개체 틀 1"/>
+          <p:cNvSpPr txBox="1">
+            <a:spLocks/>
+          </p:cNvSpPr>
+          <p:nvPr>
+            <p:ph type="title"/>
+          </p:nvPr>
+        </p:nvSpPr>
+        <p:spPr>
+          <a:xfrm rot="0">
+            <a:off x="742950" y="254000"/>
+            <a:ext cx="10517505" cy="445770"/>
+          </a:xfrm>
+          <a:prstGeom prst="rect"/>
+        </p:spPr>
+        <p:txBody>
+          <a:bodyPr wrap="square" lIns="91440" tIns="45720" rIns="91440" bIns="45720" numCol="1" vert="horz" anchor="ctr">
+            <a:normAutofit fontScale="90000" lnSpcReduction="0"/>
+          </a:bodyPr>
+          <a:lstStyle/>
+          <a:p>
+            <a:pPr marL="0" indent="0" algn="ctr" defTabSz="508000" eaLnBrk="1" latinLnBrk="1" hangingPunct="1">
+              <a:lnSpc>
+                <a:spcPct val="100000"/>
+              </a:lnSpc>
+              <a:spcBef>
+                <a:spcPts val="0"/>
+              </a:spcBef>
+              <a:spcAft>
+                <a:spcPts val="0"/>
+              </a:spcAft>
+              <a:buFontTx/>
+              <a:buNone/>
+            </a:pPr>
+            <a:r>
+              <a:rPr sz="4400">
+                <a:latin typeface="맑은 고딕" charset="0"/>
+                <a:ea typeface="맑은 고딕" charset="0"/>
+              </a:rPr>
+              <a:t>Github commits</a:t>
+            </a:r>
+            <a:endParaRPr lang="ko-KR" altLang="en-US" sz="4400">
+              <a:latin typeface="맑은 고딕" charset="0"/>
+              <a:ea typeface="맑은 고딕" charset="0"/>
+            </a:endParaRPr>
+          </a:p>
+        </p:txBody>
+      </p:sp>
+      <p:pic>
+        <p:nvPicPr>
+          <p:cNvPr id="3" name="그림 2" descr="C:/Users/stevie/AppData/Roaming/PolarisOffice/ETemp/17564_11849448/fImage317881171283.png"/>
+          <p:cNvPicPr>
+            <a:picLocks noChangeAspect="1"/>
+          </p:cNvPicPr>
+          <p:nvPr/>
+        </p:nvPicPr>
+        <p:blipFill rotWithShape="1">
+          <a:blip r:embed="rId2" cstate="print">
+            <a:extLst>
+              <a:ext uri="{28A0092B-C50C-407E-A947-70E740481C1C}">
+                <a14:useLocalDpi xmlns:a14="http://schemas.microsoft.com/office/drawing/2010/main" val="0"/>
+              </a:ext>
+            </a:extLst>
+          </a:blip>
+          <a:stretch>
+            <a:fillRect/>
+          </a:stretch>
+        </p:blipFill>
+        <p:spPr>
+          <a:xfrm rot="0">
+            <a:off x="1173480" y="990600"/>
+            <a:ext cx="9845675" cy="5227955"/>
+          </a:xfrm>
+          <a:prstGeom prst="rect"/>
+          <a:noFill/>
+        </p:spPr>
+      </p:pic>
     </p:spTree>
   </p:cSld>
   <p:clrMapOvr>

--- a/2dgp 2016180056 정태주 2차 발표.pptx
+++ b/2dgp 2016180056 정태주 2차 발표.pptx
@@ -2,7 +2,7 @@
 <file path=ppt/presentation.xml><?xml version="1.0" encoding="utf-8"?>
 <p:presentation xmlns:a="http://schemas.openxmlformats.org/drawingml/2006/main" xmlns:r="http://schemas.openxmlformats.org/officeDocument/2006/relationships" xmlns:p="http://schemas.openxmlformats.org/presentationml/2006/main" xmlns:p14="http://schemas.microsoft.com/office/powerpoint/2010/main" saveSubsetFonts="1">
   <p:sldMasterIdLst>
-    <p:sldMasterId id="2147483707" r:id="rId13"/>
+    <p:sldMasterId id="2147483708" r:id="rId13"/>
   </p:sldMasterIdLst>
   <p:notesMasterIdLst>
     <p:notesMasterId r:id="rId17"/>
@@ -12,10 +12,10 @@
   </p:handoutMasterIdLst>
   <p:sldIdLst>
     <p:sldId id="256" r:id="rId19"/>
-    <p:sldId id="257" r:id="rId20"/>
-    <p:sldId id="261" r:id="rId21"/>
-    <p:sldId id="262" r:id="rId22"/>
-    <p:sldId id="263" r:id="rId23"/>
+    <p:sldId id="257" r:id="rId21"/>
+    <p:sldId id="261" r:id="rId22"/>
+    <p:sldId id="262" r:id="rId23"/>
+    <p:sldId id="263" r:id="rId24"/>
   </p:sldIdLst>
   <p:sldSz cx="12192000" cy="6858000"/>
   <p:notesSz cx="6858000" cy="9144000"/>
@@ -6610,9 +6610,9 @@
           </p:nvPr>
         </p:nvSpPr>
         <p:spPr>
-          <a:xfrm rot="0">
+          <a:xfrm>
             <a:off x="495935" y="2181860"/>
-            <a:ext cx="10518140" cy="4354195"/>
+            <a:ext cx="10518775" cy="4354830"/>
           </a:xfrm>
           <a:prstGeom prst="rect"/>
         </p:spPr>
@@ -6660,14 +6660,7 @@
                 <a:latin typeface="맑은 고딕" charset="0"/>
                 <a:ea typeface="맑은 고딕" charset="0"/>
               </a:rPr>
-              <a:t>턴제 탑뷰</a:t>
-            </a:r>
-            <a:r>
-              <a:rPr sz="4400">
-                <a:latin typeface="맑은 고딕" charset="0"/>
-                <a:ea typeface="맑은 고딕" charset="0"/>
-              </a:rPr>
-              <a:t> 던전 탐험 게임</a:t>
+              <a:t>턴제 던전 탐험 게임</a:t>
             </a:r>
             <a:endParaRPr lang="ko-KR" altLang="en-US" sz="4400">
               <a:latin typeface="맑은 고딕" charset="0"/>
@@ -6763,25 +6756,6 @@
               <a:spcAft>
                 <a:spcPts val="0"/>
               </a:spcAft>
-              <a:buFont typeface="Arial"/>
-              <a:buChar char="•"/>
-            </a:pPr>
-            <a:endParaRPr lang="ko-KR" altLang="en-US" sz="2800">
-              <a:latin typeface="맑은 고딕" charset="0"/>
-              <a:ea typeface="맑은 고딕" charset="0"/>
-            </a:endParaRPr>
-          </a:p>
-          <a:p>
-            <a:pPr marL="228600" indent="-228600" algn="l" defTabSz="914400" eaLnBrk="1" latinLnBrk="1" hangingPunct="1">
-              <a:lnSpc>
-                <a:spcPct val="90000"/>
-              </a:lnSpc>
-              <a:spcBef>
-                <a:spcPts val="1000"/>
-              </a:spcBef>
-              <a:spcAft>
-                <a:spcPts val="0"/>
-              </a:spcAft>
               <a:buClr>
                 <a:srgbClr val="404040"/>
               </a:buClr>
@@ -6826,6 +6800,31 @@
               <a:spcAft>
                 <a:spcPts val="0"/>
               </a:spcAft>
+              <a:buClr>
+                <a:srgbClr val="404040"/>
+              </a:buClr>
+              <a:buFont typeface="Arial"/>
+              <a:buChar char="•"/>
+            </a:pPr>
+            <a:endParaRPr lang="ko-KR" altLang="en-US" sz="2800">
+              <a:latin typeface="맑은 고딕" charset="0"/>
+              <a:ea typeface="맑은 고딕" charset="0"/>
+            </a:endParaRPr>
+          </a:p>
+          <a:p>
+            <a:pPr marL="228600" indent="-228600" algn="l" defTabSz="914400" eaLnBrk="1" latinLnBrk="1" hangingPunct="1">
+              <a:lnSpc>
+                <a:spcPct val="90000"/>
+              </a:lnSpc>
+              <a:spcBef>
+                <a:spcPts val="1000"/>
+              </a:spcBef>
+              <a:spcAft>
+                <a:spcPts val="0"/>
+              </a:spcAft>
+              <a:buClr>
+                <a:srgbClr val="404040"/>
+              </a:buClr>
               <a:buFont typeface="Arial"/>
               <a:buChar char="•"/>
             </a:pPr>

--- a/2dgp 2016180056 정태주 2차 발표.pptx
+++ b/2dgp 2016180056 정태주 2차 발표.pptx
@@ -2,7 +2,7 @@
 <file path=ppt/presentation.xml><?xml version="1.0" encoding="utf-8"?>
 <p:presentation xmlns:a="http://schemas.openxmlformats.org/drawingml/2006/main" xmlns:r="http://schemas.openxmlformats.org/officeDocument/2006/relationships" xmlns:p="http://schemas.openxmlformats.org/presentationml/2006/main" xmlns:p14="http://schemas.microsoft.com/office/powerpoint/2010/main" saveSubsetFonts="1">
   <p:sldMasterIdLst>
-    <p:sldMasterId id="2147483708" r:id="rId13"/>
+    <p:sldMasterId id="2147483709" r:id="rId13"/>
   </p:sldMasterIdLst>
   <p:notesMasterIdLst>
     <p:notesMasterId r:id="rId17"/>
@@ -8624,7 +8624,7 @@
         </p:nvGraphicFramePr>
         <p:xfrm>
           <a:off x="270510" y="844550"/>
-          <a:ext cx="11508105" cy="5994400"/>
+          <a:ext cx="11508105" cy="6116320"/>
         </p:xfrm>
         <a:graphic>
           <a:graphicData uri="http://schemas.openxmlformats.org/drawingml/2006/table">
@@ -9279,27 +9279,7 @@
                           <a:latin typeface="맑은 고딕" charset="0"/>
                           <a:ea typeface="맑은 고딕" charset="0"/>
                         </a:rPr>
-                        <a:t>적 오브젝트</a:t>
-                      </a:r>
-                      <a:r>
-                        <a:rPr sz="1800" kern="1200" i="0" b="0">
-                          <a:solidFill>
-                            <a:schemeClr val="dk1"/>
-                          </a:solidFill>
-                          <a:latin typeface="맑은 고딕" charset="0"/>
-                          <a:ea typeface="맑은 고딕" charset="0"/>
-                        </a:rPr>
-                        <a:t>, </a:t>
-                      </a:r>
-                      <a:r>
-                        <a:rPr sz="1800" kern="1200" i="0" b="0">
-                          <a:solidFill>
-                            <a:schemeClr val="dk1"/>
-                          </a:solidFill>
-                          <a:latin typeface="맑은 고딕" charset="0"/>
-                          <a:ea typeface="맑은 고딕" charset="0"/>
-                        </a:rPr>
-                        <a:t>상호작용</a:t>
+                        <a:t>적 오브젝트, 상호작용</a:t>
                       </a:r>
                       <a:endParaRPr lang="ko-KR" altLang="en-US" sz="1800" kern="1200" i="0" b="0">
                         <a:solidFill>
@@ -9370,7 +9350,7 @@
                   </a:tcPr>
                 </a:tc>
               </a:tr>
-              <a:tr h="525780">
+              <a:tr h="647700">
                 <a:tc vMerge="1">
                   <a:txBody>
                     <a:bodyPr/>
@@ -9451,6 +9431,38 @@
                           <a:ea typeface="맑은 고딕" charset="0"/>
                         </a:rPr>
                         <a:t>캐릭터 클래스 분리, 몬스터 클래스 생성, IDLE 구현, 동작 미완성(33%)</a:t>
+                      </a:r>
+                      <a:endParaRPr lang="ko-KR" altLang="en-US" sz="1800" kern="1200" i="0" b="0">
+                        <a:solidFill>
+                          <a:schemeClr val="dk1"/>
+                        </a:solidFill>
+                        <a:latin typeface="맑은 고딕" charset="0"/>
+                        <a:ea typeface="맑은 고딕" charset="0"/>
+                      </a:endParaRPr>
+                    </a:p>
+                    <a:p>
+                      <a:pPr marL="0" indent="0" algn="ctr" defTabSz="914400" eaLnBrk="1" latinLnBrk="1" hangingPunct="1">
+                        <a:lnSpc>
+                          <a:spcPct val="100000"/>
+                        </a:lnSpc>
+                        <a:spcBef>
+                          <a:spcPts val="0"/>
+                        </a:spcBef>
+                        <a:spcAft>
+                          <a:spcPts val="0"/>
+                        </a:spcAft>
+                        <a:buFontTx/>
+                        <a:buNone/>
+                      </a:pPr>
+                      <a:r>
+                        <a:rPr sz="1800" kern="1200" i="0" b="0">
+                          <a:solidFill>
+                            <a:schemeClr val="dk1"/>
+                          </a:solidFill>
+                          <a:latin typeface="맑은 고딕" charset="0"/>
+                          <a:ea typeface="맑은 고딕" charset="0"/>
+                        </a:rPr>
+                        <a:t>게임 타이틀추가 (9주차)</a:t>
                       </a:r>
                       <a:endParaRPr lang="ko-KR" altLang="en-US" sz="1800" kern="1200" i="0" b="0">
                         <a:solidFill>

--- a/2dgp 2016180056 정태주 2차 발표.pptx
+++ b/2dgp 2016180056 정태주 2차 발표.pptx
@@ -2,7 +2,7 @@
 <file path=ppt/presentation.xml><?xml version="1.0" encoding="utf-8"?>
 <p:presentation xmlns:a="http://schemas.openxmlformats.org/drawingml/2006/main" xmlns:r="http://schemas.openxmlformats.org/officeDocument/2006/relationships" xmlns:p="http://schemas.openxmlformats.org/presentationml/2006/main" xmlns:p14="http://schemas.microsoft.com/office/powerpoint/2010/main" saveSubsetFonts="1">
   <p:sldMasterIdLst>
-    <p:sldMasterId id="2147483709" r:id="rId13"/>
+    <p:sldMasterId id="2147483711" r:id="rId13"/>
   </p:sldMasterIdLst>
   <p:notesMasterIdLst>
     <p:notesMasterId r:id="rId17"/>
@@ -7172,7 +7172,7 @@
                   <a:tcPr marL="90170" marR="90170" marT="46990" marB="46990" anchor="ctr"/>
                 </a:tc>
               </a:tr>
-              <a:tr h="647700">
+              <a:tr h="506095">
                 <a:tc>
                   <a:txBody>
                     <a:bodyPr/>
@@ -7238,27 +7238,7 @@
                           <a:latin typeface="맑은 고딕" charset="0"/>
                           <a:ea typeface="맑은 고딕" charset="0"/>
                         </a:rPr>
-                        <a:t>키보드 4방향</a:t>
-                      </a:r>
-                      <a:r>
-                        <a:rPr sz="1800" kern="1200" u="sng" i="0" b="0">
-                          <a:solidFill>
-                            <a:srgbClr val="FF0000"/>
-                          </a:solidFill>
-                          <a:latin typeface="맑은 고딕" charset="0"/>
-                          <a:ea typeface="맑은 고딕" charset="0"/>
-                        </a:rPr>
-                        <a:t> </a:t>
-                      </a:r>
-                      <a:r>
-                        <a:rPr sz="1800" kern="1200" u="sng" i="0" b="0">
-                          <a:solidFill>
-                            <a:srgbClr val="FF0000"/>
-                          </a:solidFill>
-                          <a:latin typeface="맑은 고딕" charset="0"/>
-                          <a:ea typeface="맑은 고딕" charset="0"/>
-                        </a:rPr>
-                        <a:t>이동</a:t>
+                        <a:t>키보드 4방향 이동</a:t>
                       </a:r>
                       <a:endParaRPr lang="ko-KR" altLang="en-US" sz="1800" kern="1200" u="sng" i="0" b="0">
                         <a:solidFill>
@@ -7311,7 +7291,7 @@
                   <a:tcPr marL="90170" marR="90170" marT="46990" marB="46990" anchor="ctr"/>
                 </a:tc>
               </a:tr>
-              <a:tr h="924560">
+              <a:tr h="1201420">
                 <a:tc>
                   <a:txBody>
                     <a:bodyPr/>
@@ -7377,7 +7357,7 @@
                           <a:latin typeface="맑은 고딕" charset="0"/>
                           <a:ea typeface="맑은 고딕" charset="0"/>
                         </a:rPr>
-                        <a:t>스테이지 3개,맵은 방 단위로 구성.</a:t>
+                        <a:t>지하, 동굴과 나머지 한가지의 맵.</a:t>
                       </a:r>
                       <a:endParaRPr lang="ko-KR" altLang="en-US" sz="1800" kern="1200" i="0" b="0">
                         <a:solidFill>
@@ -7409,37 +7389,7 @@
                           <a:latin typeface="맑은 고딕" charset="0"/>
                           <a:ea typeface="맑은 고딕" charset="0"/>
                         </a:rPr>
-                        <a:t>스테이지마다 일반 맵</a:t>
-                      </a:r>
-                      <a:r>
-                        <a:rPr sz="1800" kern="1200" i="0" b="0">
-                          <a:solidFill>
-                            <a:schemeClr val="dk1"/>
-                          </a:solidFill>
-                          <a:latin typeface="맑은 고딕" charset="0"/>
-                          <a:ea typeface="맑은 고딕" charset="0"/>
-                        </a:rPr>
-                        <a:t> </a:t>
-                      </a:r>
-                      <a:r>
-                        <a:rPr sz="1800" kern="1200" i="0" b="0">
-                          <a:solidFill>
-                            <a:schemeClr val="dk1"/>
-                          </a:solidFill>
-                          <a:latin typeface="맑은 고딕" charset="0"/>
-                          <a:ea typeface="맑은 고딕" charset="0"/>
-                        </a:rPr>
-                        <a:t>하나와,</a:t>
-                      </a:r>
-                      <a:r>
-                        <a:rPr sz="1800" kern="1200" i="0" b="0">
-                          <a:solidFill>
-                            <a:schemeClr val="dk1"/>
-                          </a:solidFill>
-                          <a:latin typeface="맑은 고딕" charset="0"/>
-                          <a:ea typeface="맑은 고딕" charset="0"/>
-                        </a:rPr>
-                        <a:t> </a:t>
+                        <a:t>맵은 방 단위로 구성.</a:t>
                       </a:r>
                       <a:endParaRPr lang="ko-KR" altLang="en-US" sz="1800" kern="1200" i="0" b="0">
                         <a:solidFill>
@@ -7471,8 +7421,30 @@
                           <a:latin typeface="맑은 고딕" charset="0"/>
                           <a:ea typeface="맑은 고딕" charset="0"/>
                         </a:rPr>
-                        <a:t>보스만 존재하는 맵</a:t>
+                        <a:t>스테이지마다 일반 맵 하나와, </a:t>
                       </a:r>
+                      <a:endParaRPr lang="ko-KR" altLang="en-US" sz="1800" kern="1200" i="0" b="0">
+                        <a:solidFill>
+                          <a:schemeClr val="dk1"/>
+                        </a:solidFill>
+                        <a:latin typeface="맑은 고딕" charset="0"/>
+                        <a:ea typeface="맑은 고딕" charset="0"/>
+                      </a:endParaRPr>
+                    </a:p>
+                    <a:p>
+                      <a:pPr marL="0" indent="0" algn="ctr" defTabSz="914400" eaLnBrk="1" latinLnBrk="1" hangingPunct="1">
+                        <a:lnSpc>
+                          <a:spcPct val="100000"/>
+                        </a:lnSpc>
+                        <a:spcBef>
+                          <a:spcPts val="0"/>
+                        </a:spcBef>
+                        <a:spcAft>
+                          <a:spcPts val="0"/>
+                        </a:spcAft>
+                        <a:buFontTx/>
+                        <a:buNone/>
+                      </a:pPr>
                       <a:r>
                         <a:rPr sz="1800" kern="1200" i="0" b="0">
                           <a:solidFill>
@@ -7481,7 +7453,7 @@
                           <a:latin typeface="맑은 고딕" charset="0"/>
                           <a:ea typeface="맑은 고딕" charset="0"/>
                         </a:rPr>
-                        <a:t> 한개씩.</a:t>
+                        <a:t>보스만 존재하는 맵 한개씩.</a:t>
                       </a:r>
                       <a:endParaRPr lang="ko-KR" altLang="en-US" sz="1800" kern="1200" i="0" b="0">
                         <a:solidFill>
@@ -7685,7 +7657,7 @@
                   <a:tcPr marL="90170" marR="90170" marT="46990" marB="46990" anchor="ctr"/>
                 </a:tc>
               </a:tr>
-              <a:tr h="683260">
+              <a:tr h="685165">
                 <a:tc>
                   <a:txBody>
                     <a:bodyPr/>
@@ -7836,7 +7808,7 @@
                   <a:tcPr marL="90170" marR="90170" marT="46990" marB="46990" anchor="ctr"/>
                 </a:tc>
               </a:tr>
-              <a:tr h="1712595">
+              <a:tr h="1575435">
                 <a:tc>
                   <a:txBody>
                     <a:bodyPr/>
@@ -8101,17 +8073,7 @@
                           <a:latin typeface="맑은 고딕" charset="0"/>
                           <a:ea typeface="맑은 고딕" charset="0"/>
                         </a:rPr>
-                        <a:t>(</a:t>
-                      </a:r>
-                      <a:r>
-                        <a:rPr sz="1800" kern="1200" i="0" b="0">
-                          <a:solidFill>
-                            <a:schemeClr val="dk1"/>
-                          </a:solidFill>
-                          <a:latin typeface="맑은 고딕" charset="0"/>
-                          <a:ea typeface="맑은 고딕" charset="0"/>
-                        </a:rPr>
-                        <a:t>무거운 장비 장착시 턴 소모 증가)</a:t>
+                        <a:t>(무거운 장비 장착시 턴 소모 증가)</a:t>
                       </a:r>
                       <a:endParaRPr lang="ko-KR" altLang="en-US" sz="1800" kern="1200" i="0" b="0">
                         <a:solidFill>
@@ -8277,47 +8239,7 @@
                           <a:latin typeface="맑은 고딕" charset="0"/>
                           <a:ea typeface="맑은 고딕" charset="0"/>
                         </a:rPr>
-                        <a:t>타격,</a:t>
-                      </a:r>
-                      <a:r>
-                        <a:rPr sz="1800" kern="1200" i="0" b="0">
-                          <a:solidFill>
-                            <a:schemeClr val="dk1"/>
-                          </a:solidFill>
-                          <a:latin typeface="맑은 고딕" charset="0"/>
-                          <a:ea typeface="맑은 고딕" charset="0"/>
-                        </a:rPr>
-                        <a:t> </a:t>
-                      </a:r>
-                      <a:r>
-                        <a:rPr sz="1800" kern="1200" i="0" b="0">
-                          <a:solidFill>
-                            <a:schemeClr val="dk1"/>
-                          </a:solidFill>
-                          <a:latin typeface="맑은 고딕" charset="0"/>
-                          <a:ea typeface="맑은 고딕" charset="0"/>
-                        </a:rPr>
-                        <a:t>피격음,</a:t>
-                      </a:r>
-                      <a:r>
-                        <a:rPr sz="1800" kern="1200" i="0" b="0">
-                          <a:solidFill>
-                            <a:schemeClr val="dk1"/>
-                          </a:solidFill>
-                          <a:latin typeface="맑은 고딕" charset="0"/>
-                          <a:ea typeface="맑은 고딕" charset="0"/>
-                        </a:rPr>
-                        <a:t> </a:t>
-                      </a:r>
-                      <a:r>
-                        <a:rPr sz="1800" kern="1200" i="0" b="0">
-                          <a:solidFill>
-                            <a:schemeClr val="dk1"/>
-                          </a:solidFill>
-                          <a:latin typeface="맑은 고딕" charset="0"/>
-                          <a:ea typeface="맑은 고딕" charset="0"/>
-                        </a:rPr>
-                        <a:t>아이템 사용하는 소리 </a:t>
+                        <a:t>타격, 피격음, 아이템 사용하는 소리 </a:t>
                       </a:r>
                       <a:endParaRPr lang="ko-KR" altLang="en-US" sz="1800" kern="1200" i="0" b="0">
                         <a:solidFill>
@@ -8417,57 +8339,7 @@
                           <a:latin typeface="맑은 고딕" charset="0"/>
                           <a:ea typeface="맑은 고딕" charset="0"/>
                         </a:rPr>
-                        <a:t>, </a:t>
-                      </a:r>
-                      <a:r>
-                        <a:rPr sz="1800" kern="1200" i="0" b="0">
-                          <a:solidFill>
-                            <a:schemeClr val="dk1"/>
-                          </a:solidFill>
-                          <a:latin typeface="맑은 고딕" charset="0"/>
-                          <a:ea typeface="맑은 고딕" charset="0"/>
-                        </a:rPr>
-                        <a:t>이동,</a:t>
-                      </a:r>
-                      <a:r>
-                        <a:rPr sz="1800" kern="1200" i="0" b="0">
-                          <a:solidFill>
-                            <a:schemeClr val="dk1"/>
-                          </a:solidFill>
-                          <a:latin typeface="맑은 고딕" charset="0"/>
-                          <a:ea typeface="맑은 고딕" charset="0"/>
-                        </a:rPr>
-                        <a:t> </a:t>
-                      </a:r>
-                      <a:r>
-                        <a:rPr sz="1800" kern="1200" i="0" b="0">
-                          <a:solidFill>
-                            <a:schemeClr val="dk1"/>
-                          </a:solidFill>
-                          <a:latin typeface="맑은 고딕" charset="0"/>
-                          <a:ea typeface="맑은 고딕" charset="0"/>
-                        </a:rPr>
-                        <a:t>공격,</a:t>
-                      </a:r>
-                      <a:r>
-                        <a:rPr sz="1800" kern="1200" i="0" b="0">
-                          <a:solidFill>
-                            <a:schemeClr val="dk1"/>
-                          </a:solidFill>
-                          <a:latin typeface="맑은 고딕" charset="0"/>
-                          <a:ea typeface="맑은 고딕" charset="0"/>
-                        </a:rPr>
-                        <a:t> </a:t>
-                      </a:r>
-                      <a:r>
-                        <a:rPr sz="1800" kern="1200" i="0" b="0">
-                          <a:solidFill>
-                            <a:schemeClr val="dk1"/>
-                          </a:solidFill>
-                          <a:latin typeface="맑은 고딕" charset="0"/>
-                          <a:ea typeface="맑은 고딕" charset="0"/>
-                        </a:rPr>
-                        <a:t>아이템 이펙트</a:t>
+                        <a:t>, 이동, 공격, 아이템 이펙트</a:t>
                       </a:r>
                       <a:endParaRPr lang="ko-KR" altLang="en-US" sz="1800" kern="1200" i="0" b="0">
                         <a:solidFill>

--- a/2dgp 2016180056 정태주 2차 발표.pptx
+++ b/2dgp 2016180056 정태주 2차 발표.pptx
@@ -2,7 +2,7 @@
 <file path=ppt/presentation.xml><?xml version="1.0" encoding="utf-8"?>
 <p:presentation xmlns:a="http://schemas.openxmlformats.org/drawingml/2006/main" xmlns:r="http://schemas.openxmlformats.org/officeDocument/2006/relationships" xmlns:p="http://schemas.openxmlformats.org/presentationml/2006/main" xmlns:p14="http://schemas.microsoft.com/office/powerpoint/2010/main" saveSubsetFonts="1">
   <p:sldMasterIdLst>
-    <p:sldMasterId id="2147483711" r:id="rId13"/>
+    <p:sldMasterId id="2147483709" r:id="rId13"/>
   </p:sldMasterIdLst>
   <p:notesMasterIdLst>
     <p:notesMasterId r:id="rId17"/>
@@ -7172,7 +7172,7 @@
                   <a:tcPr marL="90170" marR="90170" marT="46990" marB="46990" anchor="ctr"/>
                 </a:tc>
               </a:tr>
-              <a:tr h="506095">
+              <a:tr h="647700">
                 <a:tc>
                   <a:txBody>
                     <a:bodyPr/>
@@ -7238,7 +7238,27 @@
                           <a:latin typeface="맑은 고딕" charset="0"/>
                           <a:ea typeface="맑은 고딕" charset="0"/>
                         </a:rPr>
-                        <a:t>키보드 4방향 이동</a:t>
+                        <a:t>키보드 4방향</a:t>
+                      </a:r>
+                      <a:r>
+                        <a:rPr sz="1800" kern="1200" u="sng" i="0" b="0">
+                          <a:solidFill>
+                            <a:srgbClr val="FF0000"/>
+                          </a:solidFill>
+                          <a:latin typeface="맑은 고딕" charset="0"/>
+                          <a:ea typeface="맑은 고딕" charset="0"/>
+                        </a:rPr>
+                        <a:t> </a:t>
+                      </a:r>
+                      <a:r>
+                        <a:rPr sz="1800" kern="1200" u="sng" i="0" b="0">
+                          <a:solidFill>
+                            <a:srgbClr val="FF0000"/>
+                          </a:solidFill>
+                          <a:latin typeface="맑은 고딕" charset="0"/>
+                          <a:ea typeface="맑은 고딕" charset="0"/>
+                        </a:rPr>
+                        <a:t>이동</a:t>
                       </a:r>
                       <a:endParaRPr lang="ko-KR" altLang="en-US" sz="1800" kern="1200" u="sng" i="0" b="0">
                         <a:solidFill>
@@ -7291,7 +7311,7 @@
                   <a:tcPr marL="90170" marR="90170" marT="46990" marB="46990" anchor="ctr"/>
                 </a:tc>
               </a:tr>
-              <a:tr h="1201420">
+              <a:tr h="924560">
                 <a:tc>
                   <a:txBody>
                     <a:bodyPr/>
@@ -7357,7 +7377,7 @@
                           <a:latin typeface="맑은 고딕" charset="0"/>
                           <a:ea typeface="맑은 고딕" charset="0"/>
                         </a:rPr>
-                        <a:t>지하, 동굴과 나머지 한가지의 맵.</a:t>
+                        <a:t>스테이지 3개,맵은 방 단위로 구성.</a:t>
                       </a:r>
                       <a:endParaRPr lang="ko-KR" altLang="en-US" sz="1800" kern="1200" i="0" b="0">
                         <a:solidFill>
@@ -7389,7 +7409,37 @@
                           <a:latin typeface="맑은 고딕" charset="0"/>
                           <a:ea typeface="맑은 고딕" charset="0"/>
                         </a:rPr>
-                        <a:t>맵은 방 단위로 구성.</a:t>
+                        <a:t>스테이지마다 일반 맵</a:t>
+                      </a:r>
+                      <a:r>
+                        <a:rPr sz="1800" kern="1200" i="0" b="0">
+                          <a:solidFill>
+                            <a:schemeClr val="dk1"/>
+                          </a:solidFill>
+                          <a:latin typeface="맑은 고딕" charset="0"/>
+                          <a:ea typeface="맑은 고딕" charset="0"/>
+                        </a:rPr>
+                        <a:t> </a:t>
+                      </a:r>
+                      <a:r>
+                        <a:rPr sz="1800" kern="1200" i="0" b="0">
+                          <a:solidFill>
+                            <a:schemeClr val="dk1"/>
+                          </a:solidFill>
+                          <a:latin typeface="맑은 고딕" charset="0"/>
+                          <a:ea typeface="맑은 고딕" charset="0"/>
+                        </a:rPr>
+                        <a:t>하나와,</a:t>
+                      </a:r>
+                      <a:r>
+                        <a:rPr sz="1800" kern="1200" i="0" b="0">
+                          <a:solidFill>
+                            <a:schemeClr val="dk1"/>
+                          </a:solidFill>
+                          <a:latin typeface="맑은 고딕" charset="0"/>
+                          <a:ea typeface="맑은 고딕" charset="0"/>
+                        </a:rPr>
+                        <a:t> </a:t>
                       </a:r>
                       <a:endParaRPr lang="ko-KR" altLang="en-US" sz="1800" kern="1200" i="0" b="0">
                         <a:solidFill>
@@ -7421,30 +7471,8 @@
                           <a:latin typeface="맑은 고딕" charset="0"/>
                           <a:ea typeface="맑은 고딕" charset="0"/>
                         </a:rPr>
-                        <a:t>스테이지마다 일반 맵 하나와, </a:t>
+                        <a:t>보스만 존재하는 맵</a:t>
                       </a:r>
-                      <a:endParaRPr lang="ko-KR" altLang="en-US" sz="1800" kern="1200" i="0" b="0">
-                        <a:solidFill>
-                          <a:schemeClr val="dk1"/>
-                        </a:solidFill>
-                        <a:latin typeface="맑은 고딕" charset="0"/>
-                        <a:ea typeface="맑은 고딕" charset="0"/>
-                      </a:endParaRPr>
-                    </a:p>
-                    <a:p>
-                      <a:pPr marL="0" indent="0" algn="ctr" defTabSz="914400" eaLnBrk="1" latinLnBrk="1" hangingPunct="1">
-                        <a:lnSpc>
-                          <a:spcPct val="100000"/>
-                        </a:lnSpc>
-                        <a:spcBef>
-                          <a:spcPts val="0"/>
-                        </a:spcBef>
-                        <a:spcAft>
-                          <a:spcPts val="0"/>
-                        </a:spcAft>
-                        <a:buFontTx/>
-                        <a:buNone/>
-                      </a:pPr>
                       <a:r>
                         <a:rPr sz="1800" kern="1200" i="0" b="0">
                           <a:solidFill>
@@ -7453,7 +7481,7 @@
                           <a:latin typeface="맑은 고딕" charset="0"/>
                           <a:ea typeface="맑은 고딕" charset="0"/>
                         </a:rPr>
-                        <a:t>보스만 존재하는 맵 한개씩.</a:t>
+                        <a:t> 한개씩.</a:t>
                       </a:r>
                       <a:endParaRPr lang="ko-KR" altLang="en-US" sz="1800" kern="1200" i="0" b="0">
                         <a:solidFill>
@@ -7657,7 +7685,7 @@
                   <a:tcPr marL="90170" marR="90170" marT="46990" marB="46990" anchor="ctr"/>
                 </a:tc>
               </a:tr>
-              <a:tr h="685165">
+              <a:tr h="683260">
                 <a:tc>
                   <a:txBody>
                     <a:bodyPr/>
@@ -7808,7 +7836,7 @@
                   <a:tcPr marL="90170" marR="90170" marT="46990" marB="46990" anchor="ctr"/>
                 </a:tc>
               </a:tr>
-              <a:tr h="1575435">
+              <a:tr h="1712595">
                 <a:tc>
                   <a:txBody>
                     <a:bodyPr/>
@@ -8073,7 +8101,17 @@
                           <a:latin typeface="맑은 고딕" charset="0"/>
                           <a:ea typeface="맑은 고딕" charset="0"/>
                         </a:rPr>
-                        <a:t>(무거운 장비 장착시 턴 소모 증가)</a:t>
+                        <a:t>(</a:t>
+                      </a:r>
+                      <a:r>
+                        <a:rPr sz="1800" kern="1200" i="0" b="0">
+                          <a:solidFill>
+                            <a:schemeClr val="dk1"/>
+                          </a:solidFill>
+                          <a:latin typeface="맑은 고딕" charset="0"/>
+                          <a:ea typeface="맑은 고딕" charset="0"/>
+                        </a:rPr>
+                        <a:t>무거운 장비 장착시 턴 소모 증가)</a:t>
                       </a:r>
                       <a:endParaRPr lang="ko-KR" altLang="en-US" sz="1800" kern="1200" i="0" b="0">
                         <a:solidFill>
@@ -8239,7 +8277,47 @@
                           <a:latin typeface="맑은 고딕" charset="0"/>
                           <a:ea typeface="맑은 고딕" charset="0"/>
                         </a:rPr>
-                        <a:t>타격, 피격음, 아이템 사용하는 소리 </a:t>
+                        <a:t>타격,</a:t>
+                      </a:r>
+                      <a:r>
+                        <a:rPr sz="1800" kern="1200" i="0" b="0">
+                          <a:solidFill>
+                            <a:schemeClr val="dk1"/>
+                          </a:solidFill>
+                          <a:latin typeface="맑은 고딕" charset="0"/>
+                          <a:ea typeface="맑은 고딕" charset="0"/>
+                        </a:rPr>
+                        <a:t> </a:t>
+                      </a:r>
+                      <a:r>
+                        <a:rPr sz="1800" kern="1200" i="0" b="0">
+                          <a:solidFill>
+                            <a:schemeClr val="dk1"/>
+                          </a:solidFill>
+                          <a:latin typeface="맑은 고딕" charset="0"/>
+                          <a:ea typeface="맑은 고딕" charset="0"/>
+                        </a:rPr>
+                        <a:t>피격음,</a:t>
+                      </a:r>
+                      <a:r>
+                        <a:rPr sz="1800" kern="1200" i="0" b="0">
+                          <a:solidFill>
+                            <a:schemeClr val="dk1"/>
+                          </a:solidFill>
+                          <a:latin typeface="맑은 고딕" charset="0"/>
+                          <a:ea typeface="맑은 고딕" charset="0"/>
+                        </a:rPr>
+                        <a:t> </a:t>
+                      </a:r>
+                      <a:r>
+                        <a:rPr sz="1800" kern="1200" i="0" b="0">
+                          <a:solidFill>
+                            <a:schemeClr val="dk1"/>
+                          </a:solidFill>
+                          <a:latin typeface="맑은 고딕" charset="0"/>
+                          <a:ea typeface="맑은 고딕" charset="0"/>
+                        </a:rPr>
+                        <a:t>아이템 사용하는 소리 </a:t>
                       </a:r>
                       <a:endParaRPr lang="ko-KR" altLang="en-US" sz="1800" kern="1200" i="0" b="0">
                         <a:solidFill>
@@ -8339,7 +8417,57 @@
                           <a:latin typeface="맑은 고딕" charset="0"/>
                           <a:ea typeface="맑은 고딕" charset="0"/>
                         </a:rPr>
-                        <a:t>, 이동, 공격, 아이템 이펙트</a:t>
+                        <a:t>, </a:t>
+                      </a:r>
+                      <a:r>
+                        <a:rPr sz="1800" kern="1200" i="0" b="0">
+                          <a:solidFill>
+                            <a:schemeClr val="dk1"/>
+                          </a:solidFill>
+                          <a:latin typeface="맑은 고딕" charset="0"/>
+                          <a:ea typeface="맑은 고딕" charset="0"/>
+                        </a:rPr>
+                        <a:t>이동,</a:t>
+                      </a:r>
+                      <a:r>
+                        <a:rPr sz="1800" kern="1200" i="0" b="0">
+                          <a:solidFill>
+                            <a:schemeClr val="dk1"/>
+                          </a:solidFill>
+                          <a:latin typeface="맑은 고딕" charset="0"/>
+                          <a:ea typeface="맑은 고딕" charset="0"/>
+                        </a:rPr>
+                        <a:t> </a:t>
+                      </a:r>
+                      <a:r>
+                        <a:rPr sz="1800" kern="1200" i="0" b="0">
+                          <a:solidFill>
+                            <a:schemeClr val="dk1"/>
+                          </a:solidFill>
+                          <a:latin typeface="맑은 고딕" charset="0"/>
+                          <a:ea typeface="맑은 고딕" charset="0"/>
+                        </a:rPr>
+                        <a:t>공격,</a:t>
+                      </a:r>
+                      <a:r>
+                        <a:rPr sz="1800" kern="1200" i="0" b="0">
+                          <a:solidFill>
+                            <a:schemeClr val="dk1"/>
+                          </a:solidFill>
+                          <a:latin typeface="맑은 고딕" charset="0"/>
+                          <a:ea typeface="맑은 고딕" charset="0"/>
+                        </a:rPr>
+                        <a:t> </a:t>
+                      </a:r>
+                      <a:r>
+                        <a:rPr sz="1800" kern="1200" i="0" b="0">
+                          <a:solidFill>
+                            <a:schemeClr val="dk1"/>
+                          </a:solidFill>
+                          <a:latin typeface="맑은 고딕" charset="0"/>
+                          <a:ea typeface="맑은 고딕" charset="0"/>
+                        </a:rPr>
+                        <a:t>아이템 이펙트</a:t>
                       </a:r>
                       <a:endParaRPr lang="ko-KR" altLang="en-US" sz="1800" kern="1200" i="0" b="0">
                         <a:solidFill>
